--- a/HW5/HW5-1_vga_display/HW5-1_vga_display.pptx
+++ b/HW5/HW5-1_vga_display/HW5-1_vga_display.pptx
@@ -4060,6 +4060,11 @@
           <a:prstGeom prst="rect">
             <a:avLst/>
           </a:prstGeom>
+          <a:ln w="28575">
+            <a:solidFill>
+              <a:srgbClr val="FF0000"/>
+            </a:solidFill>
+          </a:ln>
         </p:spPr>
       </p:pic>
       <p:sp>
@@ -4162,6 +4167,11 @@
           <a:prstGeom prst="rect">
             <a:avLst/>
           </a:prstGeom>
+          <a:ln w="28575">
+            <a:solidFill>
+              <a:srgbClr val="FF0000"/>
+            </a:solidFill>
+          </a:ln>
         </p:spPr>
       </p:pic>
     </p:spTree>
@@ -4349,6 +4359,11 @@
           <a:prstGeom prst="rect">
             <a:avLst/>
           </a:prstGeom>
+          <a:ln w="28575">
+            <a:solidFill>
+              <a:srgbClr val="FF0000"/>
+            </a:solidFill>
+          </a:ln>
         </p:spPr>
       </p:pic>
       <p:pic>
@@ -4379,6 +4394,11 @@
           <a:prstGeom prst="rect">
             <a:avLst/>
           </a:prstGeom>
+          <a:ln w="28575">
+            <a:solidFill>
+              <a:srgbClr val="FF0000"/>
+            </a:solidFill>
+          </a:ln>
         </p:spPr>
       </p:pic>
     </p:spTree>
@@ -4470,6 +4490,11 @@
           <a:prstGeom prst="rect">
             <a:avLst/>
           </a:prstGeom>
+          <a:ln w="28575">
+            <a:solidFill>
+              <a:srgbClr val="FF0000"/>
+            </a:solidFill>
+          </a:ln>
         </p:spPr>
       </p:pic>
       <p:pic>
